--- a/cvSylvain.pptx
+++ b/cvSylvain.pptx
@@ -3067,7 +3067,7 @@
         </p:nvSpPr>
         <p:spPr>
           <a:xfrm>
-            <a:off x="3173899" y="2115534"/>
+            <a:off x="3183894" y="2263203"/>
             <a:ext cx="4213489" cy="4970591"/>
           </a:xfrm>
           <a:prstGeom prst="rect">
@@ -3499,7 +3499,7 @@
         </p:nvSpPr>
         <p:spPr>
           <a:xfrm>
-            <a:off x="3088805" y="1844770"/>
+            <a:off x="3098800" y="1992439"/>
             <a:ext cx="2188420" cy="276999"/>
           </a:xfrm>
           <a:prstGeom prst="rect">
@@ -3528,7 +3528,7 @@
         </p:nvSpPr>
         <p:spPr>
           <a:xfrm>
-            <a:off x="3179804" y="7086125"/>
+            <a:off x="3188516" y="7460384"/>
             <a:ext cx="4200577" cy="3308598"/>
           </a:xfrm>
           <a:prstGeom prst="rect">
@@ -3708,7 +3708,7 @@
         </p:nvSpPr>
         <p:spPr>
           <a:xfrm>
-            <a:off x="3084912" y="6874698"/>
+            <a:off x="3093624" y="7248957"/>
             <a:ext cx="984565" cy="276999"/>
           </a:xfrm>
           <a:prstGeom prst="rect">
@@ -3739,7 +3739,7 @@
         </p:nvCxnSpPr>
         <p:spPr>
           <a:xfrm>
-            <a:off x="3173899" y="6852436"/>
+            <a:off x="3167063" y="7073416"/>
             <a:ext cx="4252737" cy="0"/>
           </a:xfrm>
           <a:prstGeom prst="line">
@@ -3841,7 +3841,7 @@
           </a:bodyPr>
           <a:lstStyle/>
           <a:p>
-            <a:pPr algn="just" defTabSz="685800">
+            <a:pPr defTabSz="685800">
               <a:defRPr/>
             </a:pPr>
             <a:r>
@@ -3888,7 +3888,7 @@
             </a:endParaRPr>
           </a:p>
           <a:p>
-            <a:pPr algn="just" defTabSz="685800">
+            <a:pPr defTabSz="685800">
               <a:defRPr/>
             </a:pPr>
             <a:r>
@@ -4584,7 +4584,7 @@
         </p:nvCxnSpPr>
         <p:spPr>
           <a:xfrm>
-            <a:off x="3167063" y="1840800"/>
+            <a:off x="3162350" y="1882519"/>
             <a:ext cx="4249739" cy="0"/>
           </a:xfrm>
           <a:prstGeom prst="line">
@@ -4791,7 +4791,7 @@
         </p:nvSpPr>
         <p:spPr>
           <a:xfrm>
-            <a:off x="3059087" y="91142"/>
+            <a:off x="3078000" y="39541"/>
             <a:ext cx="3700052" cy="369332"/>
           </a:xfrm>
           <a:prstGeom prst="rect">

--- a/cvSylvain.pptx
+++ b/cvSylvain.pptx
@@ -127,6 +127,11 @@
             <a:srgbClr val="A4A3A4"/>
           </p15:clr>
         </p15:guide>
+        <p15:guide id="5" orient="horz" pos="3367">
+          <p15:clr>
+            <a:srgbClr val="A4A3A4"/>
+          </p15:clr>
+        </p15:guide>
       </p15:sldGuideLst>
     </p:ext>
   </p:extLst>
@@ -264,7 +269,7 @@
           <a:p>
             <a:fld id="{C1547086-8660-D442-829B-29A5B43D77D4}" type="datetimeFigureOut">
               <a:rPr lang="fr-FR" smtClean="0"/>
-              <a:t>21/02/2020</a:t>
+              <a:t>17/09/2020</a:t>
             </a:fld>
             <a:endParaRPr lang="fr-FR"/>
           </a:p>
@@ -429,7 +434,7 @@
           <a:p>
             <a:fld id="{C1547086-8660-D442-829B-29A5B43D77D4}" type="datetimeFigureOut">
               <a:rPr lang="fr-FR" smtClean="0"/>
-              <a:t>21/02/2020</a:t>
+              <a:t>17/09/2020</a:t>
             </a:fld>
             <a:endParaRPr lang="fr-FR"/>
           </a:p>
@@ -604,7 +609,7 @@
           <a:p>
             <a:fld id="{C1547086-8660-D442-829B-29A5B43D77D4}" type="datetimeFigureOut">
               <a:rPr lang="fr-FR" smtClean="0"/>
-              <a:t>21/02/2020</a:t>
+              <a:t>17/09/2020</a:t>
             </a:fld>
             <a:endParaRPr lang="fr-FR"/>
           </a:p>
@@ -769,7 +774,7 @@
           <a:p>
             <a:fld id="{C1547086-8660-D442-829B-29A5B43D77D4}" type="datetimeFigureOut">
               <a:rPr lang="fr-FR" smtClean="0"/>
-              <a:t>21/02/2020</a:t>
+              <a:t>17/09/2020</a:t>
             </a:fld>
             <a:endParaRPr lang="fr-FR"/>
           </a:p>
@@ -1008,7 +1013,7 @@
           <a:p>
             <a:fld id="{C1547086-8660-D442-829B-29A5B43D77D4}" type="datetimeFigureOut">
               <a:rPr lang="fr-FR" smtClean="0"/>
-              <a:t>21/02/2020</a:t>
+              <a:t>17/09/2020</a:t>
             </a:fld>
             <a:endParaRPr lang="fr-FR"/>
           </a:p>
@@ -1235,7 +1240,7 @@
           <a:p>
             <a:fld id="{C1547086-8660-D442-829B-29A5B43D77D4}" type="datetimeFigureOut">
               <a:rPr lang="fr-FR" smtClean="0"/>
-              <a:t>21/02/2020</a:t>
+              <a:t>17/09/2020</a:t>
             </a:fld>
             <a:endParaRPr lang="fr-FR"/>
           </a:p>
@@ -1597,7 +1602,7 @@
           <a:p>
             <a:fld id="{C1547086-8660-D442-829B-29A5B43D77D4}" type="datetimeFigureOut">
               <a:rPr lang="fr-FR" smtClean="0"/>
-              <a:t>21/02/2020</a:t>
+              <a:t>17/09/2020</a:t>
             </a:fld>
             <a:endParaRPr lang="fr-FR"/>
           </a:p>
@@ -1710,7 +1715,7 @@
           <a:p>
             <a:fld id="{C1547086-8660-D442-829B-29A5B43D77D4}" type="datetimeFigureOut">
               <a:rPr lang="fr-FR" smtClean="0"/>
-              <a:t>21/02/2020</a:t>
+              <a:t>17/09/2020</a:t>
             </a:fld>
             <a:endParaRPr lang="fr-FR"/>
           </a:p>
@@ -1800,7 +1805,7 @@
           <a:p>
             <a:fld id="{C1547086-8660-D442-829B-29A5B43D77D4}" type="datetimeFigureOut">
               <a:rPr lang="fr-FR" smtClean="0"/>
-              <a:t>21/02/2020</a:t>
+              <a:t>17/09/2020</a:t>
             </a:fld>
             <a:endParaRPr lang="fr-FR"/>
           </a:p>
@@ -2072,7 +2077,7 @@
           <a:p>
             <a:fld id="{C1547086-8660-D442-829B-29A5B43D77D4}" type="datetimeFigureOut">
               <a:rPr lang="fr-FR" smtClean="0"/>
-              <a:t>21/02/2020</a:t>
+              <a:t>17/09/2020</a:t>
             </a:fld>
             <a:endParaRPr lang="fr-FR"/>
           </a:p>
@@ -2324,7 +2329,7 @@
           <a:p>
             <a:fld id="{C1547086-8660-D442-829B-29A5B43D77D4}" type="datetimeFigureOut">
               <a:rPr lang="fr-FR" smtClean="0"/>
-              <a:t>21/02/2020</a:t>
+              <a:t>17/09/2020</a:t>
             </a:fld>
             <a:endParaRPr lang="fr-FR"/>
           </a:p>
@@ -2532,7 +2537,7 @@
           <a:p>
             <a:fld id="{C1547086-8660-D442-829B-29A5B43D77D4}" type="datetimeFigureOut">
               <a:rPr lang="fr-FR" smtClean="0"/>
-              <a:t>21/02/2020</a:t>
+              <a:t>17/09/2020</a:t>
             </a:fld>
             <a:endParaRPr lang="fr-FR"/>
           </a:p>
@@ -3067,15 +3072,15 @@
         </p:nvSpPr>
         <p:spPr>
           <a:xfrm>
-            <a:off x="3183894" y="2263203"/>
-            <a:ext cx="4213489" cy="4970591"/>
+            <a:off x="3245548" y="6032785"/>
+            <a:ext cx="4152170" cy="4685898"/>
           </a:xfrm>
           <a:prstGeom prst="rect">
             <a:avLst/>
           </a:prstGeom>
         </p:spPr>
         <p:txBody>
-          <a:bodyPr wrap="square">
+          <a:bodyPr wrap="square" anchor="ctr">
             <a:spAutoFit/>
           </a:bodyPr>
           <a:lstStyle/>
@@ -3158,11 +3163,7 @@
             </a:endParaRPr>
           </a:p>
           <a:p>
-            <a:pPr algn="just">
-              <a:spcBef>
-                <a:spcPts val="300"/>
-              </a:spcBef>
-            </a:pPr>
+            <a:pPr algn="just"/>
             <a:r>
               <a:rPr lang="fr-FR" sz="1100" b="1" dirty="0">
                 <a:solidFill>
@@ -3213,40 +3214,7 @@
                 <a:ea typeface="Times New Roman" charset="0"/>
                 <a:cs typeface="Times New Roman" charset="0"/>
               </a:rPr>
-              <a:t> Création de sites web avec HTML5 et CSS3 ; Découpage et intégration de maquettes ;️ Utilisation de Bootstrap, de la ligne de commande dans un terminal, de Git et GitHub ; Programmation en JavaScript ; Utilisation du JavaScript pour le web ; Création de sites avec WordPress 5 ; Optimisation du référencement de sites (SEO) ; </a:t>
-            </a:r>
-          </a:p>
-          <a:p>
-            <a:pPr algn="just">
-              <a:spcBef>
-                <a:spcPts val="300"/>
-              </a:spcBef>
-            </a:pPr>
-            <a:r>
-              <a:rPr lang="fr-FR" sz="1100" b="1" i="1" dirty="0">
-                <a:solidFill>
-                  <a:schemeClr val="tx1">
-                    <a:lumMod val="50000"/>
-                    <a:lumOff val="50000"/>
-                  </a:schemeClr>
-                </a:solidFill>
-                <a:ea typeface="Times New Roman" charset="0"/>
-                <a:cs typeface="Times New Roman" charset="0"/>
-              </a:rPr>
-              <a:t>Réalisation</a:t>
-            </a:r>
-            <a:r>
-              <a:rPr lang="fr-FR" sz="1100" dirty="0">
-                <a:solidFill>
-                  <a:schemeClr val="tx1">
-                    <a:lumMod val="50000"/>
-                    <a:lumOff val="50000"/>
-                  </a:schemeClr>
-                </a:solidFill>
-                <a:ea typeface="Times New Roman" charset="0"/>
-                <a:cs typeface="Times New Roman" charset="0"/>
-              </a:rPr>
-              <a:t> : développement d’un Snake en JavaScript.</a:t>
+              <a:t> Création de sites web avec HTML5 et CSS3 ; Découpage et intégration de maquettes ;️ Utilisation de Bootstrap, de la ligne de commande dans un terminal, de Git et GitHub ; Programmation en JavaScript ; Utilisation du JavaScript pour le web ; Création de sites avec WordPress 5 ; Optimisation du référencement de sites (SEO) ; développement d’un Snake en JavaScript.</a:t>
             </a:r>
           </a:p>
           <a:p>
@@ -3267,7 +3235,6 @@
             </a:endParaRPr>
           </a:p>
           <a:p>
-            <a:pPr algn="just"/>
             <a:r>
               <a:rPr lang="fr-FR" sz="1100" b="1" dirty="0">
                 <a:solidFill>
@@ -3279,7 +3246,7 @@
                 <a:ea typeface="Times New Roman" charset="0"/>
                 <a:cs typeface="Times New Roman" charset="0"/>
               </a:rPr>
-              <a:t>11/2019 – 03/2020 </a:t>
+              <a:t>11/2019 – 03/2020</a:t>
             </a:r>
             <a:r>
               <a:rPr lang="en-GB" sz="1100" b="1" dirty="0">
@@ -3318,11 +3285,11 @@
                 <a:ea typeface="Times New Roman" charset="0"/>
                 <a:cs typeface="Times New Roman" charset="0"/>
               </a:rPr>
-              <a:t> | INFA</a:t>
-            </a:r>
-          </a:p>
-          <a:p>
-            <a:pPr algn="just">
+              <a:t> |INFA</a:t>
+            </a:r>
+          </a:p>
+          <a:p>
+            <a:pPr>
               <a:spcBef>
                 <a:spcPts val="300"/>
               </a:spcBef>
@@ -3338,7 +3305,7 @@
                 <a:ea typeface="Times New Roman" charset="0"/>
                 <a:cs typeface="Times New Roman" charset="0"/>
               </a:rPr>
-              <a:t>Travail collaboratif (recherche d'informations, présentations PowerPoint) ; Techniques de recherche d'emploi ; Entraînement aux tests psychotechniques, logiques, etc. ; Remise à niveau en langue étrangère (Anglais) et matières scolaires (Français, Mathématiques) ; Construction d'un projet de formation : Développement Web (préparation du projet + montée en compétences).</a:t>
+              <a:t>Travail collaboratif; Techniques de recherche d'emploi ; Entraînement aux tests psychotechniques, logiques, etc. ; Remise à niveau en langue étrangère (Anglais) et matières scolaires (Français, Mathématiques); Construction d'un projet de formation : Développement Web (préparation du projet + montée en compétences).</a:t>
             </a:r>
           </a:p>
           <a:p>
@@ -3371,7 +3338,7 @@
                 <a:ea typeface="Times New Roman" charset="0"/>
                 <a:cs typeface="Times New Roman" charset="0"/>
               </a:rPr>
-              <a:t>2011 </a:t>
+              <a:t>2013 </a:t>
             </a:r>
             <a:r>
               <a:rPr lang="mr-IN" sz="1100" b="1" dirty="0">
@@ -3397,7 +3364,7 @@
                 <a:ea typeface="Times New Roman" charset="0"/>
                 <a:cs typeface="Times New Roman" charset="0"/>
               </a:rPr>
-              <a:t> 2012 | Animateur </a:t>
+              <a:t> 2017 | Animateur </a:t>
             </a:r>
             <a:r>
               <a:rPr lang="en-GB" sz="1100" b="1" dirty="0" err="1">
@@ -3469,7 +3436,7 @@
                 <a:ea typeface="Times New Roman" charset="0"/>
                 <a:cs typeface="Times New Roman" charset="0"/>
               </a:rPr>
-              <a:t>Accueillir les enfants ; Encadrer par l'animation un groupe d'enfants ; Assurer le développement physique, psychologique et affectif de l'enfant ; Animer, construire et maintenir la dynamique de groupe ; Planifier, organiser et évaluer les projets d'activités socio-éducatives ; Appliquer et contrôler les règles de sécurité dans les activités ; Assurer l'organisation pratique matérielle de la prestation ; Maîtriser les méthodes et les outils pédagogiques d'animation ; Participer à des actions de formation.</a:t>
+              <a:t>Accueillir les enfants ; Encadrer par l'animation un groupe d'enfants ; Assurer le développement physique, psychologique et affectif de l'enfant ; Animer, construire et maintenir la dynamique de groupe ; Planifier; Appliquer et contrôler les règles de sécurité dans les activités ; Assurer l'organisation pratique matérielle de la prestation ; Maîtriser les méthodes et les outils pédagogiques d'animation ,</a:t>
             </a:r>
           </a:p>
           <a:p>
@@ -3499,7 +3466,7 @@
         </p:nvSpPr>
         <p:spPr>
           <a:xfrm>
-            <a:off x="3098800" y="1992439"/>
+            <a:off x="3145796" y="5794322"/>
             <a:ext cx="2188420" cy="276999"/>
           </a:xfrm>
           <a:prstGeom prst="rect">
@@ -3528,8 +3495,8 @@
         </p:nvSpPr>
         <p:spPr>
           <a:xfrm>
-            <a:off x="3188516" y="7460384"/>
-            <a:ext cx="4200577" cy="3308598"/>
+            <a:off x="3257997" y="1767813"/>
+            <a:ext cx="4151523" cy="4493538"/>
           </a:xfrm>
           <a:prstGeom prst="rect">
             <a:avLst/>
@@ -3544,6 +3511,32 @@
             <a:pPr algn="just" defTabSz="685800">
               <a:defRPr/>
             </a:pPr>
+            <a:endParaRPr lang="fr-FR" sz="1100" b="1" dirty="0">
+              <a:solidFill>
+                <a:schemeClr val="tx1">
+                  <a:lumMod val="85000"/>
+                  <a:lumOff val="15000"/>
+                </a:schemeClr>
+              </a:solidFill>
+            </a:endParaRPr>
+          </a:p>
+          <a:p>
+            <a:pPr algn="just" defTabSz="685800">
+              <a:defRPr/>
+            </a:pPr>
+            <a:endParaRPr lang="fr-FR" sz="1100" b="1" dirty="0">
+              <a:solidFill>
+                <a:schemeClr val="tx1">
+                  <a:lumMod val="85000"/>
+                  <a:lumOff val="15000"/>
+                </a:schemeClr>
+              </a:solidFill>
+            </a:endParaRPr>
+          </a:p>
+          <a:p>
+            <a:pPr algn="just" defTabSz="685800">
+              <a:defRPr/>
+            </a:pPr>
             <a:r>
               <a:rPr lang="fr-FR" sz="1100" b="1" dirty="0">
                 <a:solidFill>
@@ -3553,7 +3546,7 @@
                   </a:schemeClr>
                 </a:solidFill>
               </a:rPr>
-              <a:t>En Cours </a:t>
+              <a:t>En cours </a:t>
             </a:r>
             <a:r>
               <a:rPr lang="mr-IN" sz="1100" b="1" dirty="0">
@@ -3575,8 +3568,53 @@
                   </a:schemeClr>
                 </a:solidFill>
               </a:rPr>
-              <a:t> Cléa – INFA Nevers</a:t>
-            </a:r>
+              <a:t> </a:t>
+            </a:r>
+            <a:r>
+              <a:rPr lang="fr-FR" sz="1100" b="1" dirty="0">
+                <a:ea typeface="Arial" charset="0"/>
+                <a:cs typeface="Arial" charset="0"/>
+              </a:rPr>
+              <a:t>Développeur Web &amp; Web Mobile </a:t>
+            </a:r>
+            <a:r>
+              <a:rPr lang="fr-FR" sz="1100" b="1" dirty="0"/>
+              <a:t> </a:t>
+            </a:r>
+            <a:r>
+              <a:rPr lang="fr-FR" sz="1100" b="1" dirty="0">
+                <a:solidFill>
+                  <a:schemeClr val="tx1">
+                    <a:lumMod val="85000"/>
+                    <a:lumOff val="15000"/>
+                  </a:schemeClr>
+                </a:solidFill>
+              </a:rPr>
+              <a:t>–  </a:t>
+            </a:r>
+            <a:r>
+              <a:rPr lang="en-GB" sz="1100" b="1" dirty="0" err="1">
+                <a:solidFill>
+                  <a:schemeClr val="tx1">
+                    <a:lumMod val="85000"/>
+                    <a:lumOff val="15000"/>
+                  </a:schemeClr>
+                </a:solidFill>
+                <a:ea typeface="Times New Roman" charset="0"/>
+                <a:cs typeface="Times New Roman" charset="0"/>
+              </a:rPr>
+              <a:t>Onlineformapro</a:t>
+            </a:r>
+            <a:endParaRPr lang="en-GB" sz="1100" b="1" dirty="0">
+              <a:solidFill>
+                <a:schemeClr val="tx1">
+                  <a:lumMod val="85000"/>
+                  <a:lumOff val="15000"/>
+                </a:schemeClr>
+              </a:solidFill>
+              <a:ea typeface="Times New Roman" charset="0"/>
+              <a:cs typeface="Times New Roman" charset="0"/>
+            </a:endParaRPr>
           </a:p>
           <a:p>
             <a:pPr algn="just" defTabSz="685800">
@@ -3590,8 +3628,85 @@
                     <a:lumOff val="50000"/>
                   </a:schemeClr>
                 </a:solidFill>
-              </a:rPr>
-              <a:t>La communication en français ; L’utilisation des règles de base de calcul et du raisonnement mathématique ; L’utilisation des techniques usuelles de l’information et de la communication numérique ; L’aptitude à travailler dans le cadre de règles définies d’un travail en équipe ; L’aptitude à travailler en autonomie et à réaliser un objectif individuel ; La capacité d’apprendre à apprendre tout au long de la vie ; La maîtrise des gestes et postures, et le respect des règles d’hygiène, de sécurité et environnementales élémentaires</a:t>
+                <a:ea typeface="Times New Roman" charset="0"/>
+                <a:cs typeface="Times New Roman" charset="0"/>
+              </a:rPr>
+              <a:t>Création de sites web avec HTML5 ,CSS3 et PHP ; Découpage et intégration de maquettes ;️ Utilisation de Bootstrap, de Git et GitHub ; Programmation en JavaScript ; Utilisation du JavaScript pour le web ; Création de sites avec WordPress; Utilisation de base de données, développement en programmation orientée objet; Utilisation de l’architecture MVC,</a:t>
+            </a:r>
+            <a:endParaRPr lang="fr-FR" sz="1100" b="1" dirty="0">
+              <a:solidFill>
+                <a:schemeClr val="tx1">
+                  <a:lumMod val="85000"/>
+                  <a:lumOff val="15000"/>
+                </a:schemeClr>
+              </a:solidFill>
+            </a:endParaRPr>
+          </a:p>
+          <a:p>
+            <a:pPr algn="just" defTabSz="685800">
+              <a:defRPr/>
+            </a:pPr>
+            <a:endParaRPr lang="fr-FR" sz="1100" b="1" dirty="0">
+              <a:solidFill>
+                <a:schemeClr val="tx1">
+                  <a:lumMod val="85000"/>
+                  <a:lumOff val="15000"/>
+                </a:schemeClr>
+              </a:solidFill>
+            </a:endParaRPr>
+          </a:p>
+          <a:p>
+            <a:pPr algn="just" defTabSz="685800">
+              <a:defRPr/>
+            </a:pPr>
+            <a:r>
+              <a:rPr lang="fr-FR" sz="1100" b="1" dirty="0">
+                <a:solidFill>
+                  <a:schemeClr val="tx1">
+                    <a:lumMod val="85000"/>
+                    <a:lumOff val="15000"/>
+                  </a:schemeClr>
+                </a:solidFill>
+              </a:rPr>
+              <a:t>2020 </a:t>
+            </a:r>
+            <a:r>
+              <a:rPr lang="mr-IN" sz="1100" b="1" dirty="0">
+                <a:solidFill>
+                  <a:schemeClr val="tx1">
+                    <a:lumMod val="85000"/>
+                    <a:lumOff val="15000"/>
+                  </a:schemeClr>
+                </a:solidFill>
+              </a:rPr>
+              <a:t>–</a:t>
+            </a:r>
+            <a:r>
+              <a:rPr lang="fr-FR" sz="1100" b="1" dirty="0">
+                <a:solidFill>
+                  <a:schemeClr val="tx1">
+                    <a:lumMod val="85000"/>
+                    <a:lumOff val="15000"/>
+                  </a:schemeClr>
+                </a:solidFill>
+              </a:rPr>
+              <a:t> Cléa – INFA Nevers</a:t>
+            </a:r>
+          </a:p>
+          <a:p>
+            <a:pPr algn="just" defTabSz="685800">
+              <a:defRPr/>
+            </a:pPr>
+            <a:r>
+              <a:rPr lang="fr-FR" sz="1100" dirty="0">
+                <a:solidFill>
+                  <a:schemeClr val="tx1">
+                    <a:lumMod val="50000"/>
+                    <a:lumOff val="50000"/>
+                  </a:schemeClr>
+                </a:solidFill>
+              </a:rPr>
+              <a:t>L’utilisation des règles de base de calcul et du raisonnement mathématique ; L’utilisation des techniques usuelles de l’information et de la communication numérique ; L’aptitude à travailler dans le cadre de règles définies d’un travail en équipe ; L’aptitude à travailler en autonomie et à réaliser un objectif individuel,</a:t>
             </a:r>
           </a:p>
           <a:p>
@@ -3651,39 +3766,7 @@
                   </a:schemeClr>
                 </a:solidFill>
               </a:rPr>
-              <a:t>Lire et analyser des documents techniques, utiliser un ordinateur, les logiciels dédiés et la communication par Internet. Préparer et organiser un poste de travail.</a:t>
-            </a:r>
-          </a:p>
-          <a:p>
-            <a:pPr algn="just" defTabSz="685800">
-              <a:defRPr/>
-            </a:pPr>
-            <a:r>
-              <a:rPr lang="fr-FR" sz="1100" dirty="0">
-                <a:solidFill>
-                  <a:schemeClr val="tx1">
-                    <a:lumMod val="50000"/>
-                    <a:lumOff val="50000"/>
-                  </a:schemeClr>
-                </a:solidFill>
-              </a:rPr>
-              <a:t>Fabriquer des éléments, des produits finis, des ouvrages de construction.</a:t>
-            </a:r>
-          </a:p>
-          <a:p>
-            <a:pPr algn="just" defTabSz="685800">
-              <a:defRPr/>
-            </a:pPr>
-            <a:r>
-              <a:rPr lang="fr-FR" sz="1100" dirty="0">
-                <a:solidFill>
-                  <a:schemeClr val="tx1">
-                    <a:lumMod val="50000"/>
-                    <a:lumOff val="50000"/>
-                  </a:schemeClr>
-                </a:solidFill>
-              </a:rPr>
-              <a:t>Contrôler la conformité des matériaux, produits et ouvrages.</a:t>
+              <a:t>Lire et analyser des documents techniques, utiliser un ordinateur, les logiciels dédiés et la communication par Internet. Préparer et organiser un poste de travail. Fabriquer des éléments, des produits finis, des ouvrages de construction. Contrôler la conformité des matériaux, produits et ouvrages.</a:t>
             </a:r>
           </a:p>
           <a:p>
@@ -3708,7 +3791,7 @@
         </p:nvSpPr>
         <p:spPr>
           <a:xfrm>
-            <a:off x="3093624" y="7248957"/>
+            <a:off x="3167063" y="1858997"/>
             <a:ext cx="984565" cy="276999"/>
           </a:xfrm>
           <a:prstGeom prst="rect">
@@ -3739,7 +3822,7 @@
         </p:nvCxnSpPr>
         <p:spPr>
           <a:xfrm>
-            <a:off x="3167063" y="7073416"/>
+            <a:off x="3156783" y="5775231"/>
             <a:ext cx="4252737" cy="0"/>
           </a:xfrm>
           <a:prstGeom prst="line">
@@ -3828,7 +3911,7 @@
         <p:spPr>
           <a:xfrm>
             <a:off x="240636" y="2718851"/>
-            <a:ext cx="2187802" cy="2123658"/>
+            <a:ext cx="2187802" cy="1954381"/>
           </a:xfrm>
           <a:prstGeom prst="rect">
             <a:avLst/>
@@ -3852,7 +3935,7 @@
                 <a:ea typeface="Arial" charset="0"/>
                 <a:cs typeface="Arial" charset="0"/>
               </a:rPr>
-              <a:t> Je me forme au Développement Web en autodidacte, et j'ai pour projet d'intégrer une formation dans ce domaine : l'Access Code </a:t>
+              <a:t> Je me forme au Développement Web a l'Access Code </a:t>
             </a:r>
             <a:r>
               <a:rPr lang="fr-FR" sz="1100" dirty="0" err="1">
@@ -3899,7 +3982,7 @@
                 <a:ea typeface="Arial" charset="0"/>
                 <a:cs typeface="Arial" charset="0"/>
               </a:rPr>
-              <a:t>Je suis actuellement Stagiaire de la Formation Professionnelle à la Fondation INFA à Nevers.</a:t>
+              <a:t>Je suis actuellement a la recherche d’un stage du 30/10/2020 au 08/01/2021 pour valider mon titre professionnel.</a:t>
             </a:r>
           </a:p>
         </p:txBody>
@@ -4439,7 +4522,7 @@
           <p:spPr>
             <a:xfrm>
               <a:off x="5550975" y="1316843"/>
-              <a:ext cx="1763624" cy="246221"/>
+              <a:ext cx="1510350" cy="246221"/>
             </a:xfrm>
             <a:prstGeom prst="rect">
               <a:avLst/>
@@ -4453,7 +4536,7 @@
             <a:lstStyle/>
             <a:p>
               <a:r>
-                <a:rPr lang="fr-FR" sz="1000" dirty="0">
+                <a:rPr lang="fr-FR" sz="1000" dirty="0" err="1">
                   <a:solidFill>
                     <a:schemeClr val="tx1">
                       <a:lumMod val="50000"/>
@@ -4461,8 +4544,16 @@
                     </a:schemeClr>
                   </a:solidFill>
                 </a:rPr>
-                <a:t>sylvain.thibault@infamail.com</a:t>
+                <a:t>s.thibault@codeur.online</a:t>
               </a:r>
+              <a:endParaRPr lang="fr-FR" sz="1000" dirty="0">
+                <a:solidFill>
+                  <a:schemeClr val="tx1">
+                    <a:lumMod val="50000"/>
+                    <a:lumOff val="50000"/>
+                  </a:schemeClr>
+                </a:solidFill>
+              </a:endParaRPr>
             </a:p>
           </p:txBody>
         </p:sp>
@@ -4584,7 +4675,7 @@
         </p:nvCxnSpPr>
         <p:spPr>
           <a:xfrm>
-            <a:off x="3162350" y="1882519"/>
+            <a:off x="3185101" y="1854595"/>
             <a:ext cx="4249739" cy="0"/>
           </a:xfrm>
           <a:prstGeom prst="line">
@@ -4943,8 +5034,8 @@
         </p:nvSpPr>
         <p:spPr>
           <a:xfrm>
-            <a:off x="219636" y="5319942"/>
-            <a:ext cx="2187802" cy="5191165"/>
+            <a:off x="219636" y="5319941"/>
+            <a:ext cx="2300052" cy="5190592"/>
           </a:xfrm>
           <a:prstGeom prst="rect">
             <a:avLst/>
